--- a/Figures.pptx
+++ b/Figures.pptx
@@ -8,6 +8,18 @@
     <p:sldId id="257" r:id="rId2"/>
     <p:sldId id="258" r:id="rId3"/>
     <p:sldId id="259" r:id="rId4"/>
+    <p:sldId id="260" r:id="rId5"/>
+    <p:sldId id="261" r:id="rId6"/>
+    <p:sldId id="262" r:id="rId7"/>
+    <p:sldId id="263" r:id="rId8"/>
+    <p:sldId id="264" r:id="rId9"/>
+    <p:sldId id="265" r:id="rId10"/>
+    <p:sldId id="266" r:id="rId11"/>
+    <p:sldId id="267" r:id="rId12"/>
+    <p:sldId id="268" r:id="rId13"/>
+    <p:sldId id="269" r:id="rId14"/>
+    <p:sldId id="270" r:id="rId15"/>
+    <p:sldId id="271" r:id="rId16"/>
   </p:sldIdLst>
   <p:sldSz cx="12192000" cy="6858000"/>
   <p:notesSz cx="6858000" cy="9144000"/>
@@ -106,6 +118,22 @@
       </a:defRPr>
     </a:lvl9pPr>
   </p:defaultTextStyle>
+  <p:extLst>
+    <p:ext uri="{EFAFB233-063F-42B5-8137-9DF3F51BA10A}">
+      <p15:sldGuideLst xmlns:p15="http://schemas.microsoft.com/office/powerpoint/2012/main">
+        <p15:guide id="1" orient="horz" pos="2160" userDrawn="1">
+          <p15:clr>
+            <a:srgbClr val="A4A3A4"/>
+          </p15:clr>
+        </p15:guide>
+        <p15:guide id="2" pos="3840" userDrawn="1">
+          <p15:clr>
+            <a:srgbClr val="A4A3A4"/>
+          </p15:clr>
+        </p15:guide>
+      </p15:sldGuideLst>
+    </p:ext>
+  </p:extLst>
 </p:presentation>
 </file>
 
@@ -3904,6 +3932,486 @@
 </p:sld>
 </file>
 
+<file path=ppt/slides/slide10.xml><?xml version="1.0" encoding="utf-8"?>
+<p:sld xmlns:a="http://schemas.openxmlformats.org/drawingml/2006/main" xmlns:r="http://schemas.openxmlformats.org/officeDocument/2006/relationships" xmlns:p="http://schemas.openxmlformats.org/presentationml/2006/main">
+  <p:cSld>
+    <p:spTree>
+      <p:nvGrpSpPr>
+        <p:cNvPr id="1" name=""/>
+        <p:cNvGrpSpPr/>
+        <p:nvPr/>
+      </p:nvGrpSpPr>
+      <p:grpSpPr>
+        <a:xfrm>
+          <a:off x="0" y="0"/>
+          <a:ext cx="0" cy="0"/>
+          <a:chOff x="0" y="0"/>
+          <a:chExt cx="0" cy="0"/>
+        </a:xfrm>
+      </p:grpSpPr>
+      <p:sp>
+        <p:nvSpPr>
+          <p:cNvPr id="2" name="Titel 1">
+            <a:extLst>
+              <a:ext uri="{FF2B5EF4-FFF2-40B4-BE49-F238E27FC236}">
+                <a16:creationId xmlns:a16="http://schemas.microsoft.com/office/drawing/2014/main" id="{E5E8463C-63F9-488B-981A-C5C905518BA5}"/>
+              </a:ext>
+            </a:extLst>
+          </p:cNvPr>
+          <p:cNvSpPr>
+            <a:spLocks noGrp="1"/>
+          </p:cNvSpPr>
+          <p:nvPr>
+            <p:ph type="title"/>
+          </p:nvPr>
+        </p:nvSpPr>
+        <p:spPr/>
+        <p:txBody>
+          <a:bodyPr/>
+          <a:lstStyle/>
+          <a:p>
+            <a:endParaRPr lang="de-DE"/>
+          </a:p>
+        </p:txBody>
+      </p:sp>
+      <p:sp>
+        <p:nvSpPr>
+          <p:cNvPr id="3" name="Inhaltsplatzhalter 2">
+            <a:extLst>
+              <a:ext uri="{FF2B5EF4-FFF2-40B4-BE49-F238E27FC236}">
+                <a16:creationId xmlns:a16="http://schemas.microsoft.com/office/drawing/2014/main" id="{58022588-1024-456E-9988-1D02A69A1041}"/>
+              </a:ext>
+            </a:extLst>
+          </p:cNvPr>
+          <p:cNvSpPr>
+            <a:spLocks noGrp="1"/>
+          </p:cNvSpPr>
+          <p:nvPr>
+            <p:ph idx="1"/>
+          </p:nvPr>
+        </p:nvSpPr>
+        <p:spPr/>
+        <p:txBody>
+          <a:bodyPr/>
+          <a:lstStyle/>
+          <a:p>
+            <a:endParaRPr lang="de-DE"/>
+          </a:p>
+        </p:txBody>
+      </p:sp>
+    </p:spTree>
+    <p:extLst>
+      <p:ext uri="{BB962C8B-B14F-4D97-AF65-F5344CB8AC3E}">
+        <p14:creationId xmlns:p14="http://schemas.microsoft.com/office/powerpoint/2010/main" val="1576239186"/>
+      </p:ext>
+    </p:extLst>
+  </p:cSld>
+  <p:clrMapOvr>
+    <a:masterClrMapping/>
+  </p:clrMapOvr>
+</p:sld>
+</file>
+
+<file path=ppt/slides/slide11.xml><?xml version="1.0" encoding="utf-8"?>
+<p:sld xmlns:a="http://schemas.openxmlformats.org/drawingml/2006/main" xmlns:r="http://schemas.openxmlformats.org/officeDocument/2006/relationships" xmlns:p="http://schemas.openxmlformats.org/presentationml/2006/main">
+  <p:cSld>
+    <p:spTree>
+      <p:nvGrpSpPr>
+        <p:cNvPr id="1" name=""/>
+        <p:cNvGrpSpPr/>
+        <p:nvPr/>
+      </p:nvGrpSpPr>
+      <p:grpSpPr>
+        <a:xfrm>
+          <a:off x="0" y="0"/>
+          <a:ext cx="0" cy="0"/>
+          <a:chOff x="0" y="0"/>
+          <a:chExt cx="0" cy="0"/>
+        </a:xfrm>
+      </p:grpSpPr>
+      <p:sp>
+        <p:nvSpPr>
+          <p:cNvPr id="2" name="Titel 1">
+            <a:extLst>
+              <a:ext uri="{FF2B5EF4-FFF2-40B4-BE49-F238E27FC236}">
+                <a16:creationId xmlns:a16="http://schemas.microsoft.com/office/drawing/2014/main" id="{9EAE022A-EA26-4ED3-AF20-3C536302BFC8}"/>
+              </a:ext>
+            </a:extLst>
+          </p:cNvPr>
+          <p:cNvSpPr>
+            <a:spLocks noGrp="1"/>
+          </p:cNvSpPr>
+          <p:nvPr>
+            <p:ph type="title"/>
+          </p:nvPr>
+        </p:nvSpPr>
+        <p:spPr/>
+        <p:txBody>
+          <a:bodyPr/>
+          <a:lstStyle/>
+          <a:p>
+            <a:endParaRPr lang="de-DE"/>
+          </a:p>
+        </p:txBody>
+      </p:sp>
+      <p:sp>
+        <p:nvSpPr>
+          <p:cNvPr id="3" name="Inhaltsplatzhalter 2">
+            <a:extLst>
+              <a:ext uri="{FF2B5EF4-FFF2-40B4-BE49-F238E27FC236}">
+                <a16:creationId xmlns:a16="http://schemas.microsoft.com/office/drawing/2014/main" id="{0EBB383B-E374-4B86-B5B5-42C5FFCC357F}"/>
+              </a:ext>
+            </a:extLst>
+          </p:cNvPr>
+          <p:cNvSpPr>
+            <a:spLocks noGrp="1"/>
+          </p:cNvSpPr>
+          <p:nvPr>
+            <p:ph idx="1"/>
+          </p:nvPr>
+        </p:nvSpPr>
+        <p:spPr/>
+        <p:txBody>
+          <a:bodyPr/>
+          <a:lstStyle/>
+          <a:p>
+            <a:endParaRPr lang="de-DE"/>
+          </a:p>
+        </p:txBody>
+      </p:sp>
+    </p:spTree>
+    <p:extLst>
+      <p:ext uri="{BB962C8B-B14F-4D97-AF65-F5344CB8AC3E}">
+        <p14:creationId xmlns:p14="http://schemas.microsoft.com/office/powerpoint/2010/main" val="692240534"/>
+      </p:ext>
+    </p:extLst>
+  </p:cSld>
+  <p:clrMapOvr>
+    <a:masterClrMapping/>
+  </p:clrMapOvr>
+</p:sld>
+</file>
+
+<file path=ppt/slides/slide12.xml><?xml version="1.0" encoding="utf-8"?>
+<p:sld xmlns:a="http://schemas.openxmlformats.org/drawingml/2006/main" xmlns:r="http://schemas.openxmlformats.org/officeDocument/2006/relationships" xmlns:p="http://schemas.openxmlformats.org/presentationml/2006/main">
+  <p:cSld>
+    <p:spTree>
+      <p:nvGrpSpPr>
+        <p:cNvPr id="1" name=""/>
+        <p:cNvGrpSpPr/>
+        <p:nvPr/>
+      </p:nvGrpSpPr>
+      <p:grpSpPr>
+        <a:xfrm>
+          <a:off x="0" y="0"/>
+          <a:ext cx="0" cy="0"/>
+          <a:chOff x="0" y="0"/>
+          <a:chExt cx="0" cy="0"/>
+        </a:xfrm>
+      </p:grpSpPr>
+      <p:sp>
+        <p:nvSpPr>
+          <p:cNvPr id="2" name="Titel 1">
+            <a:extLst>
+              <a:ext uri="{FF2B5EF4-FFF2-40B4-BE49-F238E27FC236}">
+                <a16:creationId xmlns:a16="http://schemas.microsoft.com/office/drawing/2014/main" id="{F33BA5F7-B9B9-45B2-BB7E-2083F6614095}"/>
+              </a:ext>
+            </a:extLst>
+          </p:cNvPr>
+          <p:cNvSpPr>
+            <a:spLocks noGrp="1"/>
+          </p:cNvSpPr>
+          <p:nvPr>
+            <p:ph type="title"/>
+          </p:nvPr>
+        </p:nvSpPr>
+        <p:spPr/>
+        <p:txBody>
+          <a:bodyPr/>
+          <a:lstStyle/>
+          <a:p>
+            <a:endParaRPr lang="de-DE"/>
+          </a:p>
+        </p:txBody>
+      </p:sp>
+      <p:sp>
+        <p:nvSpPr>
+          <p:cNvPr id="3" name="Inhaltsplatzhalter 2">
+            <a:extLst>
+              <a:ext uri="{FF2B5EF4-FFF2-40B4-BE49-F238E27FC236}">
+                <a16:creationId xmlns:a16="http://schemas.microsoft.com/office/drawing/2014/main" id="{9F5E471F-3E49-47C8-872A-46DE32B4E940}"/>
+              </a:ext>
+            </a:extLst>
+          </p:cNvPr>
+          <p:cNvSpPr>
+            <a:spLocks noGrp="1"/>
+          </p:cNvSpPr>
+          <p:nvPr>
+            <p:ph idx="1"/>
+          </p:nvPr>
+        </p:nvSpPr>
+        <p:spPr/>
+        <p:txBody>
+          <a:bodyPr/>
+          <a:lstStyle/>
+          <a:p>
+            <a:endParaRPr lang="de-DE"/>
+          </a:p>
+        </p:txBody>
+      </p:sp>
+    </p:spTree>
+    <p:extLst>
+      <p:ext uri="{BB962C8B-B14F-4D97-AF65-F5344CB8AC3E}">
+        <p14:creationId xmlns:p14="http://schemas.microsoft.com/office/powerpoint/2010/main" val="2048558372"/>
+      </p:ext>
+    </p:extLst>
+  </p:cSld>
+  <p:clrMapOvr>
+    <a:masterClrMapping/>
+  </p:clrMapOvr>
+</p:sld>
+</file>
+
+<file path=ppt/slides/slide13.xml><?xml version="1.0" encoding="utf-8"?>
+<p:sld xmlns:a="http://schemas.openxmlformats.org/drawingml/2006/main" xmlns:r="http://schemas.openxmlformats.org/officeDocument/2006/relationships" xmlns:p="http://schemas.openxmlformats.org/presentationml/2006/main">
+  <p:cSld>
+    <p:spTree>
+      <p:nvGrpSpPr>
+        <p:cNvPr id="1" name=""/>
+        <p:cNvGrpSpPr/>
+        <p:nvPr/>
+      </p:nvGrpSpPr>
+      <p:grpSpPr>
+        <a:xfrm>
+          <a:off x="0" y="0"/>
+          <a:ext cx="0" cy="0"/>
+          <a:chOff x="0" y="0"/>
+          <a:chExt cx="0" cy="0"/>
+        </a:xfrm>
+      </p:grpSpPr>
+      <p:sp>
+        <p:nvSpPr>
+          <p:cNvPr id="2" name="Titel 1">
+            <a:extLst>
+              <a:ext uri="{FF2B5EF4-FFF2-40B4-BE49-F238E27FC236}">
+                <a16:creationId xmlns:a16="http://schemas.microsoft.com/office/drawing/2014/main" id="{A26775C9-679F-42DE-8157-A6C4186F6533}"/>
+              </a:ext>
+            </a:extLst>
+          </p:cNvPr>
+          <p:cNvSpPr>
+            <a:spLocks noGrp="1"/>
+          </p:cNvSpPr>
+          <p:nvPr>
+            <p:ph type="title"/>
+          </p:nvPr>
+        </p:nvSpPr>
+        <p:spPr/>
+        <p:txBody>
+          <a:bodyPr/>
+          <a:lstStyle/>
+          <a:p>
+            <a:endParaRPr lang="de-DE"/>
+          </a:p>
+        </p:txBody>
+      </p:sp>
+      <p:sp>
+        <p:nvSpPr>
+          <p:cNvPr id="3" name="Inhaltsplatzhalter 2">
+            <a:extLst>
+              <a:ext uri="{FF2B5EF4-FFF2-40B4-BE49-F238E27FC236}">
+                <a16:creationId xmlns:a16="http://schemas.microsoft.com/office/drawing/2014/main" id="{F38A1FD8-F02C-4704-B9B6-690E2569E3A8}"/>
+              </a:ext>
+            </a:extLst>
+          </p:cNvPr>
+          <p:cNvSpPr>
+            <a:spLocks noGrp="1"/>
+          </p:cNvSpPr>
+          <p:nvPr>
+            <p:ph idx="1"/>
+          </p:nvPr>
+        </p:nvSpPr>
+        <p:spPr/>
+        <p:txBody>
+          <a:bodyPr/>
+          <a:lstStyle/>
+          <a:p>
+            <a:endParaRPr lang="de-DE"/>
+          </a:p>
+        </p:txBody>
+      </p:sp>
+    </p:spTree>
+    <p:extLst>
+      <p:ext uri="{BB962C8B-B14F-4D97-AF65-F5344CB8AC3E}">
+        <p14:creationId xmlns:p14="http://schemas.microsoft.com/office/powerpoint/2010/main" val="2678065346"/>
+      </p:ext>
+    </p:extLst>
+  </p:cSld>
+  <p:clrMapOvr>
+    <a:masterClrMapping/>
+  </p:clrMapOvr>
+</p:sld>
+</file>
+
+<file path=ppt/slides/slide14.xml><?xml version="1.0" encoding="utf-8"?>
+<p:sld xmlns:a="http://schemas.openxmlformats.org/drawingml/2006/main" xmlns:r="http://schemas.openxmlformats.org/officeDocument/2006/relationships" xmlns:p="http://schemas.openxmlformats.org/presentationml/2006/main">
+  <p:cSld>
+    <p:spTree>
+      <p:nvGrpSpPr>
+        <p:cNvPr id="1" name=""/>
+        <p:cNvGrpSpPr/>
+        <p:nvPr/>
+      </p:nvGrpSpPr>
+      <p:grpSpPr>
+        <a:xfrm>
+          <a:off x="0" y="0"/>
+          <a:ext cx="0" cy="0"/>
+          <a:chOff x="0" y="0"/>
+          <a:chExt cx="0" cy="0"/>
+        </a:xfrm>
+      </p:grpSpPr>
+      <p:sp>
+        <p:nvSpPr>
+          <p:cNvPr id="2" name="Titel 1">
+            <a:extLst>
+              <a:ext uri="{FF2B5EF4-FFF2-40B4-BE49-F238E27FC236}">
+                <a16:creationId xmlns:a16="http://schemas.microsoft.com/office/drawing/2014/main" id="{A301774B-D0F3-46D6-B903-74B3AFCF7DC4}"/>
+              </a:ext>
+            </a:extLst>
+          </p:cNvPr>
+          <p:cNvSpPr>
+            <a:spLocks noGrp="1"/>
+          </p:cNvSpPr>
+          <p:nvPr>
+            <p:ph type="title"/>
+          </p:nvPr>
+        </p:nvSpPr>
+        <p:spPr/>
+        <p:txBody>
+          <a:bodyPr/>
+          <a:lstStyle/>
+          <a:p>
+            <a:endParaRPr lang="de-DE"/>
+          </a:p>
+        </p:txBody>
+      </p:sp>
+      <p:sp>
+        <p:nvSpPr>
+          <p:cNvPr id="3" name="Inhaltsplatzhalter 2">
+            <a:extLst>
+              <a:ext uri="{FF2B5EF4-FFF2-40B4-BE49-F238E27FC236}">
+                <a16:creationId xmlns:a16="http://schemas.microsoft.com/office/drawing/2014/main" id="{ACF30F6F-0547-4920-80EB-617A3F76F7FF}"/>
+              </a:ext>
+            </a:extLst>
+          </p:cNvPr>
+          <p:cNvSpPr>
+            <a:spLocks noGrp="1"/>
+          </p:cNvSpPr>
+          <p:nvPr>
+            <p:ph idx="1"/>
+          </p:nvPr>
+        </p:nvSpPr>
+        <p:spPr/>
+        <p:txBody>
+          <a:bodyPr/>
+          <a:lstStyle/>
+          <a:p>
+            <a:endParaRPr lang="de-DE"/>
+          </a:p>
+        </p:txBody>
+      </p:sp>
+    </p:spTree>
+    <p:extLst>
+      <p:ext uri="{BB962C8B-B14F-4D97-AF65-F5344CB8AC3E}">
+        <p14:creationId xmlns:p14="http://schemas.microsoft.com/office/powerpoint/2010/main" val="4067723615"/>
+      </p:ext>
+    </p:extLst>
+  </p:cSld>
+  <p:clrMapOvr>
+    <a:masterClrMapping/>
+  </p:clrMapOvr>
+</p:sld>
+</file>
+
+<file path=ppt/slides/slide15.xml><?xml version="1.0" encoding="utf-8"?>
+<p:sld xmlns:a="http://schemas.openxmlformats.org/drawingml/2006/main" xmlns:r="http://schemas.openxmlformats.org/officeDocument/2006/relationships" xmlns:p="http://schemas.openxmlformats.org/presentationml/2006/main">
+  <p:cSld>
+    <p:spTree>
+      <p:nvGrpSpPr>
+        <p:cNvPr id="1" name=""/>
+        <p:cNvGrpSpPr/>
+        <p:nvPr/>
+      </p:nvGrpSpPr>
+      <p:grpSpPr>
+        <a:xfrm>
+          <a:off x="0" y="0"/>
+          <a:ext cx="0" cy="0"/>
+          <a:chOff x="0" y="0"/>
+          <a:chExt cx="0" cy="0"/>
+        </a:xfrm>
+      </p:grpSpPr>
+      <p:sp>
+        <p:nvSpPr>
+          <p:cNvPr id="2" name="Titel 1">
+            <a:extLst>
+              <a:ext uri="{FF2B5EF4-FFF2-40B4-BE49-F238E27FC236}">
+                <a16:creationId xmlns:a16="http://schemas.microsoft.com/office/drawing/2014/main" id="{9544D401-970A-4EA2-AC29-BEC8ED11AD36}"/>
+              </a:ext>
+            </a:extLst>
+          </p:cNvPr>
+          <p:cNvSpPr>
+            <a:spLocks noGrp="1"/>
+          </p:cNvSpPr>
+          <p:nvPr>
+            <p:ph type="title"/>
+          </p:nvPr>
+        </p:nvSpPr>
+        <p:spPr/>
+        <p:txBody>
+          <a:bodyPr/>
+          <a:lstStyle/>
+          <a:p>
+            <a:endParaRPr lang="de-DE"/>
+          </a:p>
+        </p:txBody>
+      </p:sp>
+      <p:sp>
+        <p:nvSpPr>
+          <p:cNvPr id="3" name="Inhaltsplatzhalter 2">
+            <a:extLst>
+              <a:ext uri="{FF2B5EF4-FFF2-40B4-BE49-F238E27FC236}">
+                <a16:creationId xmlns:a16="http://schemas.microsoft.com/office/drawing/2014/main" id="{11CEF266-B07D-4355-B4C7-298DF0ED6DA7}"/>
+              </a:ext>
+            </a:extLst>
+          </p:cNvPr>
+          <p:cNvSpPr>
+            <a:spLocks noGrp="1"/>
+          </p:cNvSpPr>
+          <p:nvPr>
+            <p:ph idx="1"/>
+          </p:nvPr>
+        </p:nvSpPr>
+        <p:spPr/>
+        <p:txBody>
+          <a:bodyPr/>
+          <a:lstStyle/>
+          <a:p>
+            <a:endParaRPr lang="de-DE"/>
+          </a:p>
+        </p:txBody>
+      </p:sp>
+    </p:spTree>
+    <p:extLst>
+      <p:ext uri="{BB962C8B-B14F-4D97-AF65-F5344CB8AC3E}">
+        <p14:creationId xmlns:p14="http://schemas.microsoft.com/office/powerpoint/2010/main" val="1904238679"/>
+      </p:ext>
+    </p:extLst>
+  </p:cSld>
+  <p:clrMapOvr>
+    <a:masterClrMapping/>
+  </p:clrMapOvr>
+</p:sld>
+</file>
+
 <file path=ppt/slides/slide2.xml><?xml version="1.0" encoding="utf-8"?>
 <p:sld xmlns:a="http://schemas.openxmlformats.org/drawingml/2006/main" xmlns:r="http://schemas.openxmlformats.org/officeDocument/2006/relationships" xmlns:p="http://schemas.openxmlformats.org/presentationml/2006/main">
   <p:cSld>
@@ -3921,56 +4429,270 @@
           <a:chExt cx="0" cy="0"/>
         </a:xfrm>
       </p:grpSpPr>
-      <p:sp>
-        <p:nvSpPr>
-          <p:cNvPr id="2" name="Titel 1">
-            <a:extLst>
-              <a:ext uri="{FF2B5EF4-FFF2-40B4-BE49-F238E27FC236}">
-                <a16:creationId xmlns:a16="http://schemas.microsoft.com/office/drawing/2014/main" id="{A172374E-7A95-46E8-AE14-911905BC2F08}"/>
-              </a:ext>
-            </a:extLst>
-          </p:cNvPr>
-          <p:cNvSpPr>
-            <a:spLocks noGrp="1"/>
-          </p:cNvSpPr>
-          <p:nvPr>
-            <p:ph type="title"/>
-          </p:nvPr>
-        </p:nvSpPr>
-        <p:spPr/>
-        <p:txBody>
-          <a:bodyPr/>
-          <a:lstStyle/>
-          <a:p>
-            <a:endParaRPr lang="de-DE"/>
-          </a:p>
-        </p:txBody>
-      </p:sp>
-      <p:sp>
-        <p:nvSpPr>
-          <p:cNvPr id="3" name="Inhaltsplatzhalter 2">
-            <a:extLst>
-              <a:ext uri="{FF2B5EF4-FFF2-40B4-BE49-F238E27FC236}">
-                <a16:creationId xmlns:a16="http://schemas.microsoft.com/office/drawing/2014/main" id="{CAF60F78-699F-4164-B367-B8780211D8F7}"/>
-              </a:ext>
-            </a:extLst>
-          </p:cNvPr>
-          <p:cNvSpPr>
-            <a:spLocks noGrp="1"/>
-          </p:cNvSpPr>
-          <p:nvPr>
-            <p:ph idx="1"/>
-          </p:nvPr>
-        </p:nvSpPr>
-        <p:spPr/>
-        <p:txBody>
-          <a:bodyPr/>
-          <a:lstStyle/>
-          <a:p>
-            <a:endParaRPr lang="de-DE"/>
-          </a:p>
-        </p:txBody>
-      </p:sp>
+      <p:grpSp>
+        <p:nvGrpSpPr>
+          <p:cNvPr id="11" name="Gruppieren 10">
+            <a:extLst>
+              <a:ext uri="{FF2B5EF4-FFF2-40B4-BE49-F238E27FC236}">
+                <a16:creationId xmlns:a16="http://schemas.microsoft.com/office/drawing/2014/main" id="{E1D07F0E-2161-460C-AA9C-E4A202DA885F}"/>
+              </a:ext>
+            </a:extLst>
+          </p:cNvPr>
+          <p:cNvGrpSpPr/>
+          <p:nvPr/>
+        </p:nvGrpSpPr>
+        <p:grpSpPr>
+          <a:xfrm>
+            <a:off x="688124" y="0"/>
+            <a:ext cx="10560900" cy="7040880"/>
+            <a:chOff x="531369" y="0"/>
+            <a:chExt cx="10560900" cy="7040880"/>
+          </a:xfrm>
+        </p:grpSpPr>
+        <p:grpSp>
+          <p:nvGrpSpPr>
+            <p:cNvPr id="7" name="Gruppieren 6">
+              <a:extLst>
+                <a:ext uri="{FF2B5EF4-FFF2-40B4-BE49-F238E27FC236}">
+                  <a16:creationId xmlns:a16="http://schemas.microsoft.com/office/drawing/2014/main" id="{ECDE9E3A-07C5-47AB-A814-8AF0FFB322AC}"/>
+                </a:ext>
+              </a:extLst>
+            </p:cNvPr>
+            <p:cNvGrpSpPr/>
+            <p:nvPr/>
+          </p:nvGrpSpPr>
+          <p:grpSpPr>
+            <a:xfrm>
+              <a:off x="861263" y="182880"/>
+              <a:ext cx="10231006" cy="6858000"/>
+              <a:chOff x="861263" y="182880"/>
+              <a:chExt cx="10231006" cy="6858000"/>
+            </a:xfrm>
+          </p:grpSpPr>
+          <p:pic>
+            <p:nvPicPr>
+              <p:cNvPr id="4" name="Grafik 3">
+                <a:extLst>
+                  <a:ext uri="{FF2B5EF4-FFF2-40B4-BE49-F238E27FC236}">
+                    <a16:creationId xmlns:a16="http://schemas.microsoft.com/office/drawing/2014/main" id="{063F0F7B-3043-4130-8829-899287F480A1}"/>
+                  </a:ext>
+                </a:extLst>
+              </p:cNvPr>
+              <p:cNvPicPr/>
+              <p:nvPr/>
+            </p:nvPicPr>
+            <p:blipFill>
+              <a:blip r:embed="rId2" cstate="print">
+                <a:extLst>
+                  <a:ext uri="{28A0092B-C50C-407E-A947-70E740481C1C}">
+                    <a14:useLocalDpi xmlns:a14="http://schemas.microsoft.com/office/drawing/2010/main" val="0"/>
+                  </a:ext>
+                </a:extLst>
+              </a:blip>
+              <a:srcRect/>
+              <a:stretch>
+                <a:fillRect/>
+              </a:stretch>
+            </p:blipFill>
+            <p:spPr bwMode="auto">
+              <a:xfrm>
+                <a:off x="6369774" y="182880"/>
+                <a:ext cx="4722495" cy="3429000"/>
+              </a:xfrm>
+              <a:prstGeom prst="rect">
+                <a:avLst/>
+              </a:prstGeom>
+              <a:noFill/>
+              <a:ln>
+                <a:noFill/>
+              </a:ln>
+            </p:spPr>
+          </p:pic>
+          <p:pic>
+            <p:nvPicPr>
+              <p:cNvPr id="5" name="Grafik 4">
+                <a:extLst>
+                  <a:ext uri="{FF2B5EF4-FFF2-40B4-BE49-F238E27FC236}">
+                    <a16:creationId xmlns:a16="http://schemas.microsoft.com/office/drawing/2014/main" id="{7A85905B-B4D3-45D0-ADF9-E9B9D91EB61D}"/>
+                  </a:ext>
+                </a:extLst>
+              </p:cNvPr>
+              <p:cNvPicPr/>
+              <p:nvPr/>
+            </p:nvPicPr>
+            <p:blipFill>
+              <a:blip r:embed="rId3" cstate="print">
+                <a:extLst>
+                  <a:ext uri="{28A0092B-C50C-407E-A947-70E740481C1C}">
+                    <a14:useLocalDpi xmlns:a14="http://schemas.microsoft.com/office/drawing/2010/main" val="0"/>
+                  </a:ext>
+                </a:extLst>
+              </a:blip>
+              <a:srcRect/>
+              <a:stretch>
+                <a:fillRect/>
+              </a:stretch>
+            </p:blipFill>
+            <p:spPr bwMode="auto">
+              <a:xfrm>
+                <a:off x="861263" y="182880"/>
+                <a:ext cx="4722496" cy="3429000"/>
+              </a:xfrm>
+              <a:prstGeom prst="rect">
+                <a:avLst/>
+              </a:prstGeom>
+              <a:noFill/>
+              <a:ln>
+                <a:noFill/>
+              </a:ln>
+            </p:spPr>
+          </p:pic>
+          <p:pic>
+            <p:nvPicPr>
+              <p:cNvPr id="6" name="Grafik 5">
+                <a:extLst>
+                  <a:ext uri="{FF2B5EF4-FFF2-40B4-BE49-F238E27FC236}">
+                    <a16:creationId xmlns:a16="http://schemas.microsoft.com/office/drawing/2014/main" id="{BDB5E914-AE31-4990-8704-EA142BD50200}"/>
+                  </a:ext>
+                </a:extLst>
+              </p:cNvPr>
+              <p:cNvPicPr/>
+              <p:nvPr/>
+            </p:nvPicPr>
+            <p:blipFill>
+              <a:blip r:embed="rId4" cstate="print">
+                <a:extLst>
+                  <a:ext uri="{28A0092B-C50C-407E-A947-70E740481C1C}">
+                    <a14:useLocalDpi xmlns:a14="http://schemas.microsoft.com/office/drawing/2010/main" val="0"/>
+                  </a:ext>
+                </a:extLst>
+              </a:blip>
+              <a:srcRect/>
+              <a:stretch>
+                <a:fillRect/>
+              </a:stretch>
+            </p:blipFill>
+            <p:spPr bwMode="auto">
+              <a:xfrm>
+                <a:off x="3734752" y="3611880"/>
+                <a:ext cx="4722495" cy="3429000"/>
+              </a:xfrm>
+              <a:prstGeom prst="rect">
+                <a:avLst/>
+              </a:prstGeom>
+              <a:noFill/>
+              <a:ln>
+                <a:noFill/>
+              </a:ln>
+            </p:spPr>
+          </p:pic>
+        </p:grpSp>
+        <p:sp>
+          <p:nvSpPr>
+            <p:cNvPr id="8" name="Textfeld 7">
+              <a:extLst>
+                <a:ext uri="{FF2B5EF4-FFF2-40B4-BE49-F238E27FC236}">
+                  <a16:creationId xmlns:a16="http://schemas.microsoft.com/office/drawing/2014/main" id="{7A9FAF24-7415-491F-B772-1F2533A9EB62}"/>
+                </a:ext>
+              </a:extLst>
+            </p:cNvPr>
+            <p:cNvSpPr txBox="1"/>
+            <p:nvPr/>
+          </p:nvSpPr>
+          <p:spPr>
+            <a:xfrm>
+              <a:off x="531369" y="0"/>
+              <a:ext cx="317716" cy="369332"/>
+            </a:xfrm>
+            <a:prstGeom prst="rect">
+              <a:avLst/>
+            </a:prstGeom>
+            <a:noFill/>
+          </p:spPr>
+          <p:txBody>
+            <a:bodyPr wrap="none" rtlCol="0">
+              <a:spAutoFit/>
+            </a:bodyPr>
+            <a:lstStyle/>
+            <a:p>
+              <a:r>
+                <a:rPr lang="de-DE" dirty="0"/>
+                <a:t>A</a:t>
+              </a:r>
+            </a:p>
+          </p:txBody>
+        </p:sp>
+        <p:sp>
+          <p:nvSpPr>
+            <p:cNvPr id="9" name="Textfeld 8">
+              <a:extLst>
+                <a:ext uri="{FF2B5EF4-FFF2-40B4-BE49-F238E27FC236}">
+                  <a16:creationId xmlns:a16="http://schemas.microsoft.com/office/drawing/2014/main" id="{1CCFF74E-A615-4CA5-A379-5494AE96ED82}"/>
+                </a:ext>
+              </a:extLst>
+            </p:cNvPr>
+            <p:cNvSpPr txBox="1"/>
+            <p:nvPr/>
+          </p:nvSpPr>
+          <p:spPr>
+            <a:xfrm>
+              <a:off x="6060074" y="0"/>
+              <a:ext cx="309700" cy="369332"/>
+            </a:xfrm>
+            <a:prstGeom prst="rect">
+              <a:avLst/>
+            </a:prstGeom>
+            <a:noFill/>
+          </p:spPr>
+          <p:txBody>
+            <a:bodyPr wrap="none" rtlCol="0">
+              <a:spAutoFit/>
+            </a:bodyPr>
+            <a:lstStyle/>
+            <a:p>
+              <a:r>
+                <a:rPr lang="de-DE" dirty="0"/>
+                <a:t>B</a:t>
+              </a:r>
+            </a:p>
+          </p:txBody>
+        </p:sp>
+        <p:sp>
+          <p:nvSpPr>
+            <p:cNvPr id="10" name="Textfeld 9">
+              <a:extLst>
+                <a:ext uri="{FF2B5EF4-FFF2-40B4-BE49-F238E27FC236}">
+                  <a16:creationId xmlns:a16="http://schemas.microsoft.com/office/drawing/2014/main" id="{A302DC4E-AACA-4AE5-B91A-0D80D3800499}"/>
+                </a:ext>
+              </a:extLst>
+            </p:cNvPr>
+            <p:cNvSpPr txBox="1"/>
+            <p:nvPr/>
+          </p:nvSpPr>
+          <p:spPr>
+            <a:xfrm>
+              <a:off x="3426654" y="3611880"/>
+              <a:ext cx="308098" cy="369332"/>
+            </a:xfrm>
+            <a:prstGeom prst="rect">
+              <a:avLst/>
+            </a:prstGeom>
+            <a:noFill/>
+          </p:spPr>
+          <p:txBody>
+            <a:bodyPr wrap="none" rtlCol="0">
+              <a:spAutoFit/>
+            </a:bodyPr>
+            <a:lstStyle/>
+            <a:p>
+              <a:r>
+                <a:rPr lang="de-DE" dirty="0"/>
+                <a:t>C</a:t>
+              </a:r>
+            </a:p>
+          </p:txBody>
+        </p:sp>
+      </p:grpSp>
     </p:spTree>
     <p:extLst>
       <p:ext uri="{BB962C8B-B14F-4D97-AF65-F5344CB8AC3E}">
@@ -4001,60 +4723,1164 @@
           <a:chExt cx="0" cy="0"/>
         </a:xfrm>
       </p:grpSpPr>
-      <p:sp>
-        <p:nvSpPr>
-          <p:cNvPr id="2" name="Titel 1">
-            <a:extLst>
-              <a:ext uri="{FF2B5EF4-FFF2-40B4-BE49-F238E27FC236}">
-                <a16:creationId xmlns:a16="http://schemas.microsoft.com/office/drawing/2014/main" id="{A85C09FE-0A1D-4E3F-93FB-8AB33524691F}"/>
-              </a:ext>
-            </a:extLst>
-          </p:cNvPr>
-          <p:cNvSpPr>
-            <a:spLocks noGrp="1"/>
-          </p:cNvSpPr>
-          <p:nvPr>
-            <p:ph type="title"/>
-          </p:nvPr>
-        </p:nvSpPr>
-        <p:spPr/>
-        <p:txBody>
-          <a:bodyPr/>
-          <a:lstStyle/>
-          <a:p>
-            <a:endParaRPr lang="de-DE"/>
-          </a:p>
-        </p:txBody>
-      </p:sp>
-      <p:sp>
-        <p:nvSpPr>
-          <p:cNvPr id="3" name="Inhaltsplatzhalter 2">
-            <a:extLst>
-              <a:ext uri="{FF2B5EF4-FFF2-40B4-BE49-F238E27FC236}">
-                <a16:creationId xmlns:a16="http://schemas.microsoft.com/office/drawing/2014/main" id="{C2D9A8FE-47FB-4F8F-A5BA-57365128154C}"/>
-              </a:ext>
-            </a:extLst>
-          </p:cNvPr>
-          <p:cNvSpPr>
-            <a:spLocks noGrp="1"/>
-          </p:cNvSpPr>
-          <p:nvPr>
-            <p:ph idx="1"/>
-          </p:nvPr>
-        </p:nvSpPr>
-        <p:spPr/>
-        <p:txBody>
-          <a:bodyPr/>
-          <a:lstStyle/>
-          <a:p>
-            <a:endParaRPr lang="de-DE"/>
-          </a:p>
-        </p:txBody>
-      </p:sp>
+      <p:grpSp>
+        <p:nvGrpSpPr>
+          <p:cNvPr id="10" name="Gruppieren 9">
+            <a:extLst>
+              <a:ext uri="{FF2B5EF4-FFF2-40B4-BE49-F238E27FC236}">
+                <a16:creationId xmlns:a16="http://schemas.microsoft.com/office/drawing/2014/main" id="{19328E97-A920-41BE-B7EB-C3A8E7EC8353}"/>
+              </a:ext>
+            </a:extLst>
+          </p:cNvPr>
+          <p:cNvGrpSpPr/>
+          <p:nvPr/>
+        </p:nvGrpSpPr>
+        <p:grpSpPr>
+          <a:xfrm>
+            <a:off x="538562" y="1237224"/>
+            <a:ext cx="10972850" cy="4245045"/>
+            <a:chOff x="538562" y="1237224"/>
+            <a:chExt cx="10972850" cy="4245045"/>
+          </a:xfrm>
+        </p:grpSpPr>
+        <p:pic>
+          <p:nvPicPr>
+            <p:cNvPr id="6" name="Grafik 5">
+              <a:extLst>
+                <a:ext uri="{FF2B5EF4-FFF2-40B4-BE49-F238E27FC236}">
+                  <a16:creationId xmlns:a16="http://schemas.microsoft.com/office/drawing/2014/main" id="{5FDF0DC4-0215-4568-96F7-72DA74CC69B6}"/>
+                </a:ext>
+              </a:extLst>
+            </p:cNvPr>
+            <p:cNvPicPr/>
+            <p:nvPr/>
+          </p:nvPicPr>
+          <p:blipFill>
+            <a:blip r:embed="rId2" cstate="print">
+              <a:extLst>
+                <a:ext uri="{28A0092B-C50C-407E-A947-70E740481C1C}">
+                  <a14:useLocalDpi xmlns:a14="http://schemas.microsoft.com/office/drawing/2010/main" val="0"/>
+                </a:ext>
+              </a:extLst>
+            </a:blip>
+            <a:srcRect/>
+            <a:stretch>
+              <a:fillRect/>
+            </a:stretch>
+          </p:blipFill>
+          <p:spPr bwMode="auto">
+            <a:xfrm>
+              <a:off x="6205987" y="1375724"/>
+              <a:ext cx="5305425" cy="4106545"/>
+            </a:xfrm>
+            <a:prstGeom prst="rect">
+              <a:avLst/>
+            </a:prstGeom>
+            <a:noFill/>
+            <a:ln>
+              <a:noFill/>
+            </a:ln>
+          </p:spPr>
+        </p:pic>
+        <p:pic>
+          <p:nvPicPr>
+            <p:cNvPr id="7" name="Grafik 6">
+              <a:extLst>
+                <a:ext uri="{FF2B5EF4-FFF2-40B4-BE49-F238E27FC236}">
+                  <a16:creationId xmlns:a16="http://schemas.microsoft.com/office/drawing/2014/main" id="{BA7C9CDA-9DE9-4821-8A03-F24EAB35618A}"/>
+                </a:ext>
+              </a:extLst>
+            </p:cNvPr>
+            <p:cNvPicPr/>
+            <p:nvPr/>
+          </p:nvPicPr>
+          <p:blipFill>
+            <a:blip r:embed="rId2" cstate="print">
+              <a:extLst>
+                <a:ext uri="{28A0092B-C50C-407E-A947-70E740481C1C}">
+                  <a14:useLocalDpi xmlns:a14="http://schemas.microsoft.com/office/drawing/2010/main" val="0"/>
+                </a:ext>
+              </a:extLst>
+            </a:blip>
+            <a:srcRect/>
+            <a:stretch>
+              <a:fillRect/>
+            </a:stretch>
+          </p:blipFill>
+          <p:spPr bwMode="auto">
+            <a:xfrm>
+              <a:off x="680588" y="1375724"/>
+              <a:ext cx="5305425" cy="4106545"/>
+            </a:xfrm>
+            <a:prstGeom prst="rect">
+              <a:avLst/>
+            </a:prstGeom>
+            <a:noFill/>
+            <a:ln>
+              <a:noFill/>
+            </a:ln>
+          </p:spPr>
+        </p:pic>
+        <p:sp>
+          <p:nvSpPr>
+            <p:cNvPr id="8" name="Textfeld 7">
+              <a:extLst>
+                <a:ext uri="{FF2B5EF4-FFF2-40B4-BE49-F238E27FC236}">
+                  <a16:creationId xmlns:a16="http://schemas.microsoft.com/office/drawing/2014/main" id="{F41DE5E1-DABE-43E5-9083-ACCD88212BF4}"/>
+                </a:ext>
+              </a:extLst>
+            </p:cNvPr>
+            <p:cNvSpPr txBox="1"/>
+            <p:nvPr/>
+          </p:nvSpPr>
+          <p:spPr>
+            <a:xfrm>
+              <a:off x="538562" y="1237224"/>
+              <a:ext cx="284052" cy="276999"/>
+            </a:xfrm>
+            <a:prstGeom prst="rect">
+              <a:avLst/>
+            </a:prstGeom>
+            <a:noFill/>
+          </p:spPr>
+          <p:txBody>
+            <a:bodyPr wrap="none" rtlCol="0">
+              <a:spAutoFit/>
+            </a:bodyPr>
+            <a:lstStyle/>
+            <a:p>
+              <a:r>
+                <a:rPr lang="de-DE" sz="1200" dirty="0">
+                  <a:latin typeface="Segoe UI" panose="020B0502040204020203" pitchFamily="34" charset="0"/>
+                  <a:cs typeface="Segoe UI" panose="020B0502040204020203" pitchFamily="34" charset="0"/>
+                </a:rPr>
+                <a:t>A</a:t>
+              </a:r>
+            </a:p>
+          </p:txBody>
+        </p:sp>
+        <p:sp>
+          <p:nvSpPr>
+            <p:cNvPr id="9" name="Textfeld 8">
+              <a:extLst>
+                <a:ext uri="{FF2B5EF4-FFF2-40B4-BE49-F238E27FC236}">
+                  <a16:creationId xmlns:a16="http://schemas.microsoft.com/office/drawing/2014/main" id="{DA81F0FC-68B1-424F-82F1-0234F8617E90}"/>
+                </a:ext>
+              </a:extLst>
+            </p:cNvPr>
+            <p:cNvSpPr txBox="1"/>
+            <p:nvPr/>
+          </p:nvSpPr>
+          <p:spPr>
+            <a:xfrm>
+              <a:off x="6069571" y="1237225"/>
+              <a:ext cx="272832" cy="276999"/>
+            </a:xfrm>
+            <a:prstGeom prst="rect">
+              <a:avLst/>
+            </a:prstGeom>
+            <a:noFill/>
+          </p:spPr>
+          <p:txBody>
+            <a:bodyPr wrap="none" rtlCol="0">
+              <a:spAutoFit/>
+            </a:bodyPr>
+            <a:lstStyle/>
+            <a:p>
+              <a:r>
+                <a:rPr lang="de-DE" sz="1200" dirty="0">
+                  <a:latin typeface="Segoe UI" panose="020B0502040204020203" pitchFamily="34" charset="0"/>
+                  <a:cs typeface="Segoe UI" panose="020B0502040204020203" pitchFamily="34" charset="0"/>
+                </a:rPr>
+                <a:t>B</a:t>
+              </a:r>
+            </a:p>
+          </p:txBody>
+        </p:sp>
+      </p:grpSp>
     </p:spTree>
     <p:extLst>
       <p:ext uri="{BB962C8B-B14F-4D97-AF65-F5344CB8AC3E}">
         <p14:creationId xmlns:p14="http://schemas.microsoft.com/office/powerpoint/2010/main" val="2149726434"/>
+      </p:ext>
+    </p:extLst>
+  </p:cSld>
+  <p:clrMapOvr>
+    <a:masterClrMapping/>
+  </p:clrMapOvr>
+</p:sld>
+</file>
+
+<file path=ppt/slides/slide4.xml><?xml version="1.0" encoding="utf-8"?>
+<p:sld xmlns:a="http://schemas.openxmlformats.org/drawingml/2006/main" xmlns:r="http://schemas.openxmlformats.org/officeDocument/2006/relationships" xmlns:p="http://schemas.openxmlformats.org/presentationml/2006/main">
+  <p:cSld>
+    <p:spTree>
+      <p:nvGrpSpPr>
+        <p:cNvPr id="1" name=""/>
+        <p:cNvGrpSpPr/>
+        <p:nvPr/>
+      </p:nvGrpSpPr>
+      <p:grpSpPr>
+        <a:xfrm>
+          <a:off x="0" y="0"/>
+          <a:ext cx="0" cy="0"/>
+          <a:chOff x="0" y="0"/>
+          <a:chExt cx="0" cy="0"/>
+        </a:xfrm>
+      </p:grpSpPr>
+      <p:grpSp>
+        <p:nvGrpSpPr>
+          <p:cNvPr id="8" name="Gruppieren 7">
+            <a:extLst>
+              <a:ext uri="{FF2B5EF4-FFF2-40B4-BE49-F238E27FC236}">
+                <a16:creationId xmlns:a16="http://schemas.microsoft.com/office/drawing/2014/main" id="{916FE3F5-5792-443C-A19B-5CDF827C246F}"/>
+              </a:ext>
+            </a:extLst>
+          </p:cNvPr>
+          <p:cNvGrpSpPr/>
+          <p:nvPr/>
+        </p:nvGrpSpPr>
+        <p:grpSpPr>
+          <a:xfrm>
+            <a:off x="85752" y="1944218"/>
+            <a:ext cx="11863908" cy="3284326"/>
+            <a:chOff x="85752" y="1944218"/>
+            <a:chExt cx="11863908" cy="3284326"/>
+          </a:xfrm>
+        </p:grpSpPr>
+        <p:pic>
+          <p:nvPicPr>
+            <p:cNvPr id="4" name="Grafik 3">
+              <a:extLst>
+                <a:ext uri="{FF2B5EF4-FFF2-40B4-BE49-F238E27FC236}">
+                  <a16:creationId xmlns:a16="http://schemas.microsoft.com/office/drawing/2014/main" id="{F0887771-1B3E-4021-90AA-B034661EACFB}"/>
+                </a:ext>
+              </a:extLst>
+            </p:cNvPr>
+            <p:cNvPicPr/>
+            <p:nvPr/>
+          </p:nvPicPr>
+          <p:blipFill>
+            <a:blip r:embed="rId2" cstate="print">
+              <a:extLst>
+                <a:ext uri="{28A0092B-C50C-407E-A947-70E740481C1C}">
+                  <a14:useLocalDpi xmlns:a14="http://schemas.microsoft.com/office/drawing/2010/main" val="0"/>
+                </a:ext>
+              </a:extLst>
+            </a:blip>
+            <a:srcRect/>
+            <a:stretch>
+              <a:fillRect/>
+            </a:stretch>
+          </p:blipFill>
+          <p:spPr bwMode="auto">
+            <a:xfrm>
+              <a:off x="242342" y="2151969"/>
+              <a:ext cx="5724525" cy="3076575"/>
+            </a:xfrm>
+            <a:prstGeom prst="rect">
+              <a:avLst/>
+            </a:prstGeom>
+            <a:noFill/>
+            <a:ln>
+              <a:noFill/>
+            </a:ln>
+          </p:spPr>
+        </p:pic>
+        <p:pic>
+          <p:nvPicPr>
+            <p:cNvPr id="5" name="Grafik 4">
+              <a:extLst>
+                <a:ext uri="{FF2B5EF4-FFF2-40B4-BE49-F238E27FC236}">
+                  <a16:creationId xmlns:a16="http://schemas.microsoft.com/office/drawing/2014/main" id="{464C9608-166B-4D74-8A46-3581B72554B1}"/>
+                </a:ext>
+              </a:extLst>
+            </p:cNvPr>
+            <p:cNvPicPr/>
+            <p:nvPr/>
+          </p:nvPicPr>
+          <p:blipFill>
+            <a:blip r:embed="rId3" cstate="print">
+              <a:extLst>
+                <a:ext uri="{28A0092B-C50C-407E-A947-70E740481C1C}">
+                  <a14:useLocalDpi xmlns:a14="http://schemas.microsoft.com/office/drawing/2010/main" val="0"/>
+                </a:ext>
+              </a:extLst>
+            </a:blip>
+            <a:srcRect/>
+            <a:stretch>
+              <a:fillRect/>
+            </a:stretch>
+          </p:blipFill>
+          <p:spPr bwMode="auto">
+            <a:xfrm>
+              <a:off x="6225135" y="2151968"/>
+              <a:ext cx="5724525" cy="3076575"/>
+            </a:xfrm>
+            <a:prstGeom prst="rect">
+              <a:avLst/>
+            </a:prstGeom>
+            <a:noFill/>
+            <a:ln>
+              <a:noFill/>
+            </a:ln>
+          </p:spPr>
+        </p:pic>
+        <p:sp>
+          <p:nvSpPr>
+            <p:cNvPr id="6" name="Textfeld 5">
+              <a:extLst>
+                <a:ext uri="{FF2B5EF4-FFF2-40B4-BE49-F238E27FC236}">
+                  <a16:creationId xmlns:a16="http://schemas.microsoft.com/office/drawing/2014/main" id="{62648A10-F14C-4EDA-B573-E28BC688DD48}"/>
+                </a:ext>
+              </a:extLst>
+            </p:cNvPr>
+            <p:cNvSpPr txBox="1"/>
+            <p:nvPr/>
+          </p:nvSpPr>
+          <p:spPr>
+            <a:xfrm>
+              <a:off x="85752" y="1944218"/>
+              <a:ext cx="284052" cy="276999"/>
+            </a:xfrm>
+            <a:prstGeom prst="rect">
+              <a:avLst/>
+            </a:prstGeom>
+            <a:noFill/>
+          </p:spPr>
+          <p:txBody>
+            <a:bodyPr wrap="none" rtlCol="0">
+              <a:spAutoFit/>
+            </a:bodyPr>
+            <a:lstStyle/>
+            <a:p>
+              <a:r>
+                <a:rPr lang="de-DE" sz="1200" dirty="0">
+                  <a:latin typeface="Segoe UI" panose="020B0502040204020203" pitchFamily="34" charset="0"/>
+                  <a:cs typeface="Segoe UI" panose="020B0502040204020203" pitchFamily="34" charset="0"/>
+                </a:rPr>
+                <a:t>A</a:t>
+              </a:r>
+            </a:p>
+          </p:txBody>
+        </p:sp>
+        <p:sp>
+          <p:nvSpPr>
+            <p:cNvPr id="7" name="Textfeld 6">
+              <a:extLst>
+                <a:ext uri="{FF2B5EF4-FFF2-40B4-BE49-F238E27FC236}">
+                  <a16:creationId xmlns:a16="http://schemas.microsoft.com/office/drawing/2014/main" id="{54DEF93E-315E-4EE2-B558-7644F80B4DBE}"/>
+                </a:ext>
+              </a:extLst>
+            </p:cNvPr>
+            <p:cNvSpPr txBox="1"/>
+            <p:nvPr/>
+          </p:nvSpPr>
+          <p:spPr>
+            <a:xfrm>
+              <a:off x="5952303" y="1944218"/>
+              <a:ext cx="272832" cy="276999"/>
+            </a:xfrm>
+            <a:prstGeom prst="rect">
+              <a:avLst/>
+            </a:prstGeom>
+            <a:noFill/>
+          </p:spPr>
+          <p:txBody>
+            <a:bodyPr wrap="none" rtlCol="0">
+              <a:spAutoFit/>
+            </a:bodyPr>
+            <a:lstStyle/>
+            <a:p>
+              <a:r>
+                <a:rPr lang="de-DE" sz="1200" dirty="0">
+                  <a:latin typeface="Segoe UI" panose="020B0502040204020203" pitchFamily="34" charset="0"/>
+                  <a:cs typeface="Segoe UI" panose="020B0502040204020203" pitchFamily="34" charset="0"/>
+                </a:rPr>
+                <a:t>B</a:t>
+              </a:r>
+            </a:p>
+          </p:txBody>
+        </p:sp>
+      </p:grpSp>
+    </p:spTree>
+    <p:extLst>
+      <p:ext uri="{BB962C8B-B14F-4D97-AF65-F5344CB8AC3E}">
+        <p14:creationId xmlns:p14="http://schemas.microsoft.com/office/powerpoint/2010/main" val="453481934"/>
+      </p:ext>
+    </p:extLst>
+  </p:cSld>
+  <p:clrMapOvr>
+    <a:masterClrMapping/>
+  </p:clrMapOvr>
+</p:sld>
+</file>
+
+<file path=ppt/slides/slide5.xml><?xml version="1.0" encoding="utf-8"?>
+<p:sld xmlns:a="http://schemas.openxmlformats.org/drawingml/2006/main" xmlns:r="http://schemas.openxmlformats.org/officeDocument/2006/relationships" xmlns:p="http://schemas.openxmlformats.org/presentationml/2006/main">
+  <p:cSld>
+    <p:spTree>
+      <p:nvGrpSpPr>
+        <p:cNvPr id="1" name=""/>
+        <p:cNvGrpSpPr/>
+        <p:nvPr/>
+      </p:nvGrpSpPr>
+      <p:grpSpPr>
+        <a:xfrm>
+          <a:off x="0" y="0"/>
+          <a:ext cx="0" cy="0"/>
+          <a:chOff x="0" y="0"/>
+          <a:chExt cx="0" cy="0"/>
+        </a:xfrm>
+      </p:grpSpPr>
+      <p:pic>
+        <p:nvPicPr>
+          <p:cNvPr id="4" name="Grafik 3">
+            <a:extLst>
+              <a:ext uri="{FF2B5EF4-FFF2-40B4-BE49-F238E27FC236}">
+                <a16:creationId xmlns:a16="http://schemas.microsoft.com/office/drawing/2014/main" id="{F8CFE71D-544D-4D3A-B682-92E8031EC18A}"/>
+              </a:ext>
+            </a:extLst>
+          </p:cNvPr>
+          <p:cNvPicPr/>
+          <p:nvPr/>
+        </p:nvPicPr>
+        <p:blipFill>
+          <a:blip r:embed="rId2" cstate="print">
+            <a:extLst>
+              <a:ext uri="{28A0092B-C50C-407E-A947-70E740481C1C}">
+                <a14:useLocalDpi xmlns:a14="http://schemas.microsoft.com/office/drawing/2010/main" val="0"/>
+              </a:ext>
+            </a:extLst>
+          </a:blip>
+          <a:srcRect/>
+          <a:stretch>
+            <a:fillRect/>
+          </a:stretch>
+        </p:blipFill>
+        <p:spPr bwMode="auto">
+          <a:xfrm>
+            <a:off x="456080" y="1876425"/>
+            <a:ext cx="5715000" cy="3105150"/>
+          </a:xfrm>
+          <a:prstGeom prst="rect">
+            <a:avLst/>
+          </a:prstGeom>
+          <a:noFill/>
+          <a:ln>
+            <a:noFill/>
+          </a:ln>
+        </p:spPr>
+      </p:pic>
+      <p:pic>
+        <p:nvPicPr>
+          <p:cNvPr id="5" name="Grafik 4">
+            <a:extLst>
+              <a:ext uri="{FF2B5EF4-FFF2-40B4-BE49-F238E27FC236}">
+                <a16:creationId xmlns:a16="http://schemas.microsoft.com/office/drawing/2014/main" id="{4127721E-BB64-491C-8EDE-0AFDAEAC567E}"/>
+              </a:ext>
+            </a:extLst>
+          </p:cNvPr>
+          <p:cNvPicPr/>
+          <p:nvPr/>
+        </p:nvPicPr>
+        <p:blipFill>
+          <a:blip r:embed="rId3" cstate="print">
+            <a:extLst>
+              <a:ext uri="{28A0092B-C50C-407E-A947-70E740481C1C}">
+                <a14:useLocalDpi xmlns:a14="http://schemas.microsoft.com/office/drawing/2010/main" val="0"/>
+              </a:ext>
+            </a:extLst>
+          </a:blip>
+          <a:srcRect/>
+          <a:stretch>
+            <a:fillRect/>
+          </a:stretch>
+        </p:blipFill>
+        <p:spPr bwMode="auto">
+          <a:xfrm>
+            <a:off x="6347462" y="1876425"/>
+            <a:ext cx="5715000" cy="3105150"/>
+          </a:xfrm>
+          <a:prstGeom prst="rect">
+            <a:avLst/>
+          </a:prstGeom>
+          <a:noFill/>
+          <a:ln>
+            <a:noFill/>
+          </a:ln>
+        </p:spPr>
+      </p:pic>
+      <p:sp>
+        <p:nvSpPr>
+          <p:cNvPr id="6" name="Textfeld 5">
+            <a:extLst>
+              <a:ext uri="{FF2B5EF4-FFF2-40B4-BE49-F238E27FC236}">
+                <a16:creationId xmlns:a16="http://schemas.microsoft.com/office/drawing/2014/main" id="{45A0E2F6-9AFE-4EFC-B647-CE61DF0FEF86}"/>
+              </a:ext>
+            </a:extLst>
+          </p:cNvPr>
+          <p:cNvSpPr txBox="1"/>
+          <p:nvPr/>
+        </p:nvSpPr>
+        <p:spPr>
+          <a:xfrm>
+            <a:off x="225863" y="1737924"/>
+            <a:ext cx="284052" cy="276999"/>
+          </a:xfrm>
+          <a:prstGeom prst="rect">
+            <a:avLst/>
+          </a:prstGeom>
+          <a:noFill/>
+        </p:spPr>
+        <p:txBody>
+          <a:bodyPr wrap="none" rtlCol="0">
+            <a:spAutoFit/>
+          </a:bodyPr>
+          <a:lstStyle/>
+          <a:p>
+            <a:r>
+              <a:rPr lang="de-DE" sz="1200" dirty="0">
+                <a:latin typeface="Segoe UI" panose="020B0502040204020203" pitchFamily="34" charset="0"/>
+                <a:cs typeface="Segoe UI" panose="020B0502040204020203" pitchFamily="34" charset="0"/>
+              </a:rPr>
+              <a:t>A</a:t>
+            </a:r>
+          </a:p>
+        </p:txBody>
+      </p:sp>
+      <p:sp>
+        <p:nvSpPr>
+          <p:cNvPr id="7" name="Textfeld 6">
+            <a:extLst>
+              <a:ext uri="{FF2B5EF4-FFF2-40B4-BE49-F238E27FC236}">
+                <a16:creationId xmlns:a16="http://schemas.microsoft.com/office/drawing/2014/main" id="{1031B93F-A906-42A8-84EC-652C68A90580}"/>
+              </a:ext>
+            </a:extLst>
+          </p:cNvPr>
+          <p:cNvSpPr txBox="1"/>
+          <p:nvPr/>
+        </p:nvSpPr>
+        <p:spPr>
+          <a:xfrm>
+            <a:off x="6096000" y="1737924"/>
+            <a:ext cx="272832" cy="276999"/>
+          </a:xfrm>
+          <a:prstGeom prst="rect">
+            <a:avLst/>
+          </a:prstGeom>
+          <a:noFill/>
+        </p:spPr>
+        <p:txBody>
+          <a:bodyPr wrap="none" rtlCol="0">
+            <a:spAutoFit/>
+          </a:bodyPr>
+          <a:lstStyle/>
+          <a:p>
+            <a:r>
+              <a:rPr lang="de-DE" sz="1200" dirty="0">
+                <a:latin typeface="Segoe UI" panose="020B0502040204020203" pitchFamily="34" charset="0"/>
+                <a:cs typeface="Segoe UI" panose="020B0502040204020203" pitchFamily="34" charset="0"/>
+              </a:rPr>
+              <a:t>B</a:t>
+            </a:r>
+          </a:p>
+        </p:txBody>
+      </p:sp>
+    </p:spTree>
+    <p:extLst>
+      <p:ext uri="{BB962C8B-B14F-4D97-AF65-F5344CB8AC3E}">
+        <p14:creationId xmlns:p14="http://schemas.microsoft.com/office/powerpoint/2010/main" val="2953818083"/>
+      </p:ext>
+    </p:extLst>
+  </p:cSld>
+  <p:clrMapOvr>
+    <a:masterClrMapping/>
+  </p:clrMapOvr>
+</p:sld>
+</file>
+
+<file path=ppt/slides/slide6.xml><?xml version="1.0" encoding="utf-8"?>
+<p:sld xmlns:a="http://schemas.openxmlformats.org/drawingml/2006/main" xmlns:r="http://schemas.openxmlformats.org/officeDocument/2006/relationships" xmlns:p="http://schemas.openxmlformats.org/presentationml/2006/main">
+  <p:cSld>
+    <p:spTree>
+      <p:nvGrpSpPr>
+        <p:cNvPr id="1" name=""/>
+        <p:cNvGrpSpPr/>
+        <p:nvPr/>
+      </p:nvGrpSpPr>
+      <p:grpSpPr>
+        <a:xfrm>
+          <a:off x="0" y="0"/>
+          <a:ext cx="0" cy="0"/>
+          <a:chOff x="0" y="0"/>
+          <a:chExt cx="0" cy="0"/>
+        </a:xfrm>
+      </p:grpSpPr>
+      <p:pic>
+        <p:nvPicPr>
+          <p:cNvPr id="13" name="Grafik 12">
+            <a:extLst>
+              <a:ext uri="{FF2B5EF4-FFF2-40B4-BE49-F238E27FC236}">
+                <a16:creationId xmlns:a16="http://schemas.microsoft.com/office/drawing/2014/main" id="{20CD93F5-EAC4-4C07-B638-97945DDD5387}"/>
+              </a:ext>
+            </a:extLst>
+          </p:cNvPr>
+          <p:cNvPicPr>
+            <a:picLocks noChangeAspect="1"/>
+          </p:cNvPicPr>
+          <p:nvPr/>
+        </p:nvPicPr>
+        <p:blipFill>
+          <a:blip r:embed="rId2">
+            <a:extLst>
+              <a:ext uri="{28A0092B-C50C-407E-A947-70E740481C1C}">
+                <a14:useLocalDpi xmlns:a14="http://schemas.microsoft.com/office/drawing/2010/main" val="0"/>
+              </a:ext>
+            </a:extLst>
+          </a:blip>
+          <a:stretch>
+            <a:fillRect/>
+          </a:stretch>
+        </p:blipFill>
+        <p:spPr>
+          <a:xfrm>
+            <a:off x="3781455" y="3540034"/>
+            <a:ext cx="4629090" cy="3225289"/>
+          </a:xfrm>
+          <a:prstGeom prst="rect">
+            <a:avLst/>
+          </a:prstGeom>
+        </p:spPr>
+      </p:pic>
+      <p:pic>
+        <p:nvPicPr>
+          <p:cNvPr id="15" name="Grafik 14">
+            <a:extLst>
+              <a:ext uri="{FF2B5EF4-FFF2-40B4-BE49-F238E27FC236}">
+                <a16:creationId xmlns:a16="http://schemas.microsoft.com/office/drawing/2014/main" id="{B87A8739-A10F-4010-8494-0A950F51C45D}"/>
+              </a:ext>
+            </a:extLst>
+          </p:cNvPr>
+          <p:cNvPicPr>
+            <a:picLocks noChangeAspect="1"/>
+          </p:cNvPicPr>
+          <p:nvPr/>
+        </p:nvPicPr>
+        <p:blipFill>
+          <a:blip r:embed="rId3">
+            <a:extLst>
+              <a:ext uri="{28A0092B-C50C-407E-A947-70E740481C1C}">
+                <a14:useLocalDpi xmlns:a14="http://schemas.microsoft.com/office/drawing/2010/main" val="0"/>
+              </a:ext>
+            </a:extLst>
+          </a:blip>
+          <a:stretch>
+            <a:fillRect/>
+          </a:stretch>
+        </p:blipFill>
+        <p:spPr>
+          <a:xfrm>
+            <a:off x="6625876" y="203710"/>
+            <a:ext cx="4629090" cy="3225289"/>
+          </a:xfrm>
+          <a:prstGeom prst="rect">
+            <a:avLst/>
+          </a:prstGeom>
+        </p:spPr>
+      </p:pic>
+      <p:pic>
+        <p:nvPicPr>
+          <p:cNvPr id="17" name="Grafik 16">
+            <a:extLst>
+              <a:ext uri="{FF2B5EF4-FFF2-40B4-BE49-F238E27FC236}">
+                <a16:creationId xmlns:a16="http://schemas.microsoft.com/office/drawing/2014/main" id="{8EDEBB3F-14D4-4D57-950E-210A263EFF99}"/>
+              </a:ext>
+            </a:extLst>
+          </p:cNvPr>
+          <p:cNvPicPr>
+            <a:picLocks noChangeAspect="1"/>
+          </p:cNvPicPr>
+          <p:nvPr/>
+        </p:nvPicPr>
+        <p:blipFill>
+          <a:blip r:embed="rId4">
+            <a:extLst>
+              <a:ext uri="{28A0092B-C50C-407E-A947-70E740481C1C}">
+                <a14:useLocalDpi xmlns:a14="http://schemas.microsoft.com/office/drawing/2010/main" val="0"/>
+              </a:ext>
+            </a:extLst>
+          </a:blip>
+          <a:stretch>
+            <a:fillRect/>
+          </a:stretch>
+        </p:blipFill>
+        <p:spPr>
+          <a:xfrm>
+            <a:off x="937034" y="203711"/>
+            <a:ext cx="4629090" cy="3225289"/>
+          </a:xfrm>
+          <a:prstGeom prst="rect">
+            <a:avLst/>
+          </a:prstGeom>
+        </p:spPr>
+      </p:pic>
+      <p:sp>
+        <p:nvSpPr>
+          <p:cNvPr id="18" name="Textfeld 17">
+            <a:extLst>
+              <a:ext uri="{FF2B5EF4-FFF2-40B4-BE49-F238E27FC236}">
+                <a16:creationId xmlns:a16="http://schemas.microsoft.com/office/drawing/2014/main" id="{0DD9C3C7-FEAB-495F-BD52-BF11C56823A4}"/>
+              </a:ext>
+            </a:extLst>
+          </p:cNvPr>
+          <p:cNvSpPr txBox="1"/>
+          <p:nvPr/>
+        </p:nvSpPr>
+        <p:spPr>
+          <a:xfrm>
+            <a:off x="652982" y="203709"/>
+            <a:ext cx="284052" cy="276999"/>
+          </a:xfrm>
+          <a:prstGeom prst="rect">
+            <a:avLst/>
+          </a:prstGeom>
+          <a:noFill/>
+        </p:spPr>
+        <p:txBody>
+          <a:bodyPr wrap="none" rtlCol="0">
+            <a:spAutoFit/>
+          </a:bodyPr>
+          <a:lstStyle/>
+          <a:p>
+            <a:r>
+              <a:rPr lang="de-DE" sz="1200" dirty="0">
+                <a:latin typeface="Segoe UI" panose="020B0502040204020203" pitchFamily="34" charset="0"/>
+                <a:cs typeface="Segoe UI" panose="020B0502040204020203" pitchFamily="34" charset="0"/>
+              </a:rPr>
+              <a:t>A</a:t>
+            </a:r>
+          </a:p>
+        </p:txBody>
+      </p:sp>
+      <p:sp>
+        <p:nvSpPr>
+          <p:cNvPr id="19" name="Textfeld 18">
+            <a:extLst>
+              <a:ext uri="{FF2B5EF4-FFF2-40B4-BE49-F238E27FC236}">
+                <a16:creationId xmlns:a16="http://schemas.microsoft.com/office/drawing/2014/main" id="{D9A1E7E1-8C6B-41F3-9EB2-E7584B3796DD}"/>
+              </a:ext>
+            </a:extLst>
+          </p:cNvPr>
+          <p:cNvSpPr txBox="1"/>
+          <p:nvPr/>
+        </p:nvSpPr>
+        <p:spPr>
+          <a:xfrm>
+            <a:off x="6353044" y="203710"/>
+            <a:ext cx="272832" cy="276999"/>
+          </a:xfrm>
+          <a:prstGeom prst="rect">
+            <a:avLst/>
+          </a:prstGeom>
+          <a:noFill/>
+        </p:spPr>
+        <p:txBody>
+          <a:bodyPr wrap="none" rtlCol="0">
+            <a:spAutoFit/>
+          </a:bodyPr>
+          <a:lstStyle/>
+          <a:p>
+            <a:r>
+              <a:rPr lang="de-DE" sz="1200" dirty="0">
+                <a:latin typeface="Segoe UI" panose="020B0502040204020203" pitchFamily="34" charset="0"/>
+                <a:cs typeface="Segoe UI" panose="020B0502040204020203" pitchFamily="34" charset="0"/>
+              </a:rPr>
+              <a:t>B</a:t>
+            </a:r>
+          </a:p>
+        </p:txBody>
+      </p:sp>
+      <p:sp>
+        <p:nvSpPr>
+          <p:cNvPr id="21" name="Textfeld 20">
+            <a:extLst>
+              <a:ext uri="{FF2B5EF4-FFF2-40B4-BE49-F238E27FC236}">
+                <a16:creationId xmlns:a16="http://schemas.microsoft.com/office/drawing/2014/main" id="{D3D0D030-406C-44E8-A997-89683C93DA93}"/>
+              </a:ext>
+            </a:extLst>
+          </p:cNvPr>
+          <p:cNvSpPr txBox="1"/>
+          <p:nvPr/>
+        </p:nvSpPr>
+        <p:spPr>
+          <a:xfrm>
+            <a:off x="3508623" y="3540034"/>
+            <a:ext cx="279244" cy="276999"/>
+          </a:xfrm>
+          <a:prstGeom prst="rect">
+            <a:avLst/>
+          </a:prstGeom>
+          <a:noFill/>
+        </p:spPr>
+        <p:txBody>
+          <a:bodyPr wrap="none" rtlCol="0">
+            <a:spAutoFit/>
+          </a:bodyPr>
+          <a:lstStyle/>
+          <a:p>
+            <a:r>
+              <a:rPr lang="de-DE" sz="1200" dirty="0">
+                <a:latin typeface="Segoe UI" panose="020B0502040204020203" pitchFamily="34" charset="0"/>
+                <a:cs typeface="Segoe UI" panose="020B0502040204020203" pitchFamily="34" charset="0"/>
+              </a:rPr>
+              <a:t>C</a:t>
+            </a:r>
+          </a:p>
+        </p:txBody>
+      </p:sp>
+    </p:spTree>
+    <p:extLst>
+      <p:ext uri="{BB962C8B-B14F-4D97-AF65-F5344CB8AC3E}">
+        <p14:creationId xmlns:p14="http://schemas.microsoft.com/office/powerpoint/2010/main" val="2800596876"/>
+      </p:ext>
+    </p:extLst>
+  </p:cSld>
+  <p:clrMapOvr>
+    <a:masterClrMapping/>
+  </p:clrMapOvr>
+</p:sld>
+</file>
+
+<file path=ppt/slides/slide7.xml><?xml version="1.0" encoding="utf-8"?>
+<p:sld xmlns:a="http://schemas.openxmlformats.org/drawingml/2006/main" xmlns:r="http://schemas.openxmlformats.org/officeDocument/2006/relationships" xmlns:p="http://schemas.openxmlformats.org/presentationml/2006/main">
+  <p:cSld>
+    <p:spTree>
+      <p:nvGrpSpPr>
+        <p:cNvPr id="1" name=""/>
+        <p:cNvGrpSpPr/>
+        <p:nvPr/>
+      </p:nvGrpSpPr>
+      <p:grpSpPr>
+        <a:xfrm>
+          <a:off x="0" y="0"/>
+          <a:ext cx="0" cy="0"/>
+          <a:chOff x="0" y="0"/>
+          <a:chExt cx="0" cy="0"/>
+        </a:xfrm>
+      </p:grpSpPr>
+      <p:pic>
+        <p:nvPicPr>
+          <p:cNvPr id="5" name="Grafik 4">
+            <a:extLst>
+              <a:ext uri="{FF2B5EF4-FFF2-40B4-BE49-F238E27FC236}">
+                <a16:creationId xmlns:a16="http://schemas.microsoft.com/office/drawing/2014/main" id="{34178946-7717-4097-A30F-8A9F998C0A4B}"/>
+              </a:ext>
+            </a:extLst>
+          </p:cNvPr>
+          <p:cNvPicPr>
+            <a:picLocks noChangeAspect="1"/>
+          </p:cNvPicPr>
+          <p:nvPr/>
+        </p:nvPicPr>
+        <p:blipFill>
+          <a:blip r:embed="rId2">
+            <a:extLst>
+              <a:ext uri="{28A0092B-C50C-407E-A947-70E740481C1C}">
+                <a14:useLocalDpi xmlns:a14="http://schemas.microsoft.com/office/drawing/2010/main" val="0"/>
+              </a:ext>
+            </a:extLst>
+          </a:blip>
+          <a:stretch>
+            <a:fillRect/>
+          </a:stretch>
+        </p:blipFill>
+        <p:spPr>
+          <a:xfrm>
+            <a:off x="6305868" y="1933303"/>
+            <a:ext cx="5214575" cy="3633222"/>
+          </a:xfrm>
+          <a:prstGeom prst="rect">
+            <a:avLst/>
+          </a:prstGeom>
+        </p:spPr>
+      </p:pic>
+      <p:pic>
+        <p:nvPicPr>
+          <p:cNvPr id="7" name="Grafik 6">
+            <a:extLst>
+              <a:ext uri="{FF2B5EF4-FFF2-40B4-BE49-F238E27FC236}">
+                <a16:creationId xmlns:a16="http://schemas.microsoft.com/office/drawing/2014/main" id="{A43AE25C-AAF1-4C25-93A9-635EF85BEC03}"/>
+              </a:ext>
+            </a:extLst>
+          </p:cNvPr>
+          <p:cNvPicPr>
+            <a:picLocks noChangeAspect="1"/>
+          </p:cNvPicPr>
+          <p:nvPr/>
+        </p:nvPicPr>
+        <p:blipFill>
+          <a:blip r:embed="rId3">
+            <a:extLst>
+              <a:ext uri="{28A0092B-C50C-407E-A947-70E740481C1C}">
+                <a14:useLocalDpi xmlns:a14="http://schemas.microsoft.com/office/drawing/2010/main" val="0"/>
+              </a:ext>
+            </a:extLst>
+          </a:blip>
+          <a:stretch>
+            <a:fillRect/>
+          </a:stretch>
+        </p:blipFill>
+        <p:spPr>
+          <a:xfrm>
+            <a:off x="671558" y="1933303"/>
+            <a:ext cx="5214575" cy="3633222"/>
+          </a:xfrm>
+          <a:prstGeom prst="rect">
+            <a:avLst/>
+          </a:prstGeom>
+        </p:spPr>
+      </p:pic>
+      <p:sp>
+        <p:nvSpPr>
+          <p:cNvPr id="8" name="Textfeld 7">
+            <a:extLst>
+              <a:ext uri="{FF2B5EF4-FFF2-40B4-BE49-F238E27FC236}">
+                <a16:creationId xmlns:a16="http://schemas.microsoft.com/office/drawing/2014/main" id="{2FA05DBC-39CB-447E-A9B2-502FDD4155EB}"/>
+              </a:ext>
+            </a:extLst>
+          </p:cNvPr>
+          <p:cNvSpPr txBox="1"/>
+          <p:nvPr/>
+        </p:nvSpPr>
+        <p:spPr>
+          <a:xfrm>
+            <a:off x="332974" y="1933302"/>
+            <a:ext cx="284052" cy="276999"/>
+          </a:xfrm>
+          <a:prstGeom prst="rect">
+            <a:avLst/>
+          </a:prstGeom>
+          <a:noFill/>
+        </p:spPr>
+        <p:txBody>
+          <a:bodyPr wrap="none" rtlCol="0">
+            <a:spAutoFit/>
+          </a:bodyPr>
+          <a:lstStyle/>
+          <a:p>
+            <a:r>
+              <a:rPr lang="de-DE" sz="1200" dirty="0">
+                <a:latin typeface="Segoe UI" panose="020B0502040204020203" pitchFamily="34" charset="0"/>
+                <a:cs typeface="Segoe UI" panose="020B0502040204020203" pitchFamily="34" charset="0"/>
+              </a:rPr>
+              <a:t>A</a:t>
+            </a:r>
+          </a:p>
+        </p:txBody>
+      </p:sp>
+      <p:sp>
+        <p:nvSpPr>
+          <p:cNvPr id="9" name="Textfeld 8">
+            <a:extLst>
+              <a:ext uri="{FF2B5EF4-FFF2-40B4-BE49-F238E27FC236}">
+                <a16:creationId xmlns:a16="http://schemas.microsoft.com/office/drawing/2014/main" id="{9BE2FF09-13BA-403A-8436-6F0E8F84AD6A}"/>
+              </a:ext>
+            </a:extLst>
+          </p:cNvPr>
+          <p:cNvSpPr txBox="1"/>
+          <p:nvPr/>
+        </p:nvSpPr>
+        <p:spPr>
+          <a:xfrm>
+            <a:off x="6033036" y="1933303"/>
+            <a:ext cx="272832" cy="276999"/>
+          </a:xfrm>
+          <a:prstGeom prst="rect">
+            <a:avLst/>
+          </a:prstGeom>
+          <a:noFill/>
+        </p:spPr>
+        <p:txBody>
+          <a:bodyPr wrap="none" rtlCol="0">
+            <a:spAutoFit/>
+          </a:bodyPr>
+          <a:lstStyle/>
+          <a:p>
+            <a:r>
+              <a:rPr lang="de-DE" sz="1200" dirty="0">
+                <a:latin typeface="Segoe UI" panose="020B0502040204020203" pitchFamily="34" charset="0"/>
+                <a:cs typeface="Segoe UI" panose="020B0502040204020203" pitchFamily="34" charset="0"/>
+              </a:rPr>
+              <a:t>B</a:t>
+            </a:r>
+          </a:p>
+        </p:txBody>
+      </p:sp>
+    </p:spTree>
+    <p:extLst>
+      <p:ext uri="{BB962C8B-B14F-4D97-AF65-F5344CB8AC3E}">
+        <p14:creationId xmlns:p14="http://schemas.microsoft.com/office/powerpoint/2010/main" val="2044592603"/>
+      </p:ext>
+    </p:extLst>
+  </p:cSld>
+  <p:clrMapOvr>
+    <a:masterClrMapping/>
+  </p:clrMapOvr>
+</p:sld>
+</file>
+
+<file path=ppt/slides/slide8.xml><?xml version="1.0" encoding="utf-8"?>
+<p:sld xmlns:a="http://schemas.openxmlformats.org/drawingml/2006/main" xmlns:r="http://schemas.openxmlformats.org/officeDocument/2006/relationships" xmlns:p="http://schemas.openxmlformats.org/presentationml/2006/main">
+  <p:cSld>
+    <p:spTree>
+      <p:nvGrpSpPr>
+        <p:cNvPr id="1" name=""/>
+        <p:cNvGrpSpPr/>
+        <p:nvPr/>
+      </p:nvGrpSpPr>
+      <p:grpSpPr>
+        <a:xfrm>
+          <a:off x="0" y="0"/>
+          <a:ext cx="0" cy="0"/>
+          <a:chOff x="0" y="0"/>
+          <a:chExt cx="0" cy="0"/>
+        </a:xfrm>
+      </p:grpSpPr>
+      <p:sp>
+        <p:nvSpPr>
+          <p:cNvPr id="2" name="Titel 1">
+            <a:extLst>
+              <a:ext uri="{FF2B5EF4-FFF2-40B4-BE49-F238E27FC236}">
+                <a16:creationId xmlns:a16="http://schemas.microsoft.com/office/drawing/2014/main" id="{4BA50758-9846-40CF-AAA7-7870EB878813}"/>
+              </a:ext>
+            </a:extLst>
+          </p:cNvPr>
+          <p:cNvSpPr>
+            <a:spLocks noGrp="1"/>
+          </p:cNvSpPr>
+          <p:nvPr>
+            <p:ph type="title"/>
+          </p:nvPr>
+        </p:nvSpPr>
+        <p:spPr/>
+        <p:txBody>
+          <a:bodyPr/>
+          <a:lstStyle/>
+          <a:p>
+            <a:endParaRPr lang="de-DE"/>
+          </a:p>
+        </p:txBody>
+      </p:sp>
+      <p:sp>
+        <p:nvSpPr>
+          <p:cNvPr id="3" name="Inhaltsplatzhalter 2">
+            <a:extLst>
+              <a:ext uri="{FF2B5EF4-FFF2-40B4-BE49-F238E27FC236}">
+                <a16:creationId xmlns:a16="http://schemas.microsoft.com/office/drawing/2014/main" id="{8422968B-F995-4E7A-8455-7C18A8C32A90}"/>
+              </a:ext>
+            </a:extLst>
+          </p:cNvPr>
+          <p:cNvSpPr>
+            <a:spLocks noGrp="1"/>
+          </p:cNvSpPr>
+          <p:nvPr>
+            <p:ph idx="1"/>
+          </p:nvPr>
+        </p:nvSpPr>
+        <p:spPr/>
+        <p:txBody>
+          <a:bodyPr/>
+          <a:lstStyle/>
+          <a:p>
+            <a:endParaRPr lang="de-DE"/>
+          </a:p>
+        </p:txBody>
+      </p:sp>
+    </p:spTree>
+    <p:extLst>
+      <p:ext uri="{BB962C8B-B14F-4D97-AF65-F5344CB8AC3E}">
+        <p14:creationId xmlns:p14="http://schemas.microsoft.com/office/powerpoint/2010/main" val="1658561516"/>
+      </p:ext>
+    </p:extLst>
+  </p:cSld>
+  <p:clrMapOvr>
+    <a:masterClrMapping/>
+  </p:clrMapOvr>
+</p:sld>
+</file>
+
+<file path=ppt/slides/slide9.xml><?xml version="1.0" encoding="utf-8"?>
+<p:sld xmlns:a="http://schemas.openxmlformats.org/drawingml/2006/main" xmlns:r="http://schemas.openxmlformats.org/officeDocument/2006/relationships" xmlns:p="http://schemas.openxmlformats.org/presentationml/2006/main">
+  <p:cSld>
+    <p:spTree>
+      <p:nvGrpSpPr>
+        <p:cNvPr id="1" name=""/>
+        <p:cNvGrpSpPr/>
+        <p:nvPr/>
+      </p:nvGrpSpPr>
+      <p:grpSpPr>
+        <a:xfrm>
+          <a:off x="0" y="0"/>
+          <a:ext cx="0" cy="0"/>
+          <a:chOff x="0" y="0"/>
+          <a:chExt cx="0" cy="0"/>
+        </a:xfrm>
+      </p:grpSpPr>
+      <p:sp>
+        <p:nvSpPr>
+          <p:cNvPr id="2" name="Titel 1">
+            <a:extLst>
+              <a:ext uri="{FF2B5EF4-FFF2-40B4-BE49-F238E27FC236}">
+                <a16:creationId xmlns:a16="http://schemas.microsoft.com/office/drawing/2014/main" id="{3DD6663F-FC64-4D9F-8BE4-E63D876CDD8D}"/>
+              </a:ext>
+            </a:extLst>
+          </p:cNvPr>
+          <p:cNvSpPr>
+            <a:spLocks noGrp="1"/>
+          </p:cNvSpPr>
+          <p:nvPr>
+            <p:ph type="title"/>
+          </p:nvPr>
+        </p:nvSpPr>
+        <p:spPr/>
+        <p:txBody>
+          <a:bodyPr/>
+          <a:lstStyle/>
+          <a:p>
+            <a:endParaRPr lang="de-DE"/>
+          </a:p>
+        </p:txBody>
+      </p:sp>
+      <p:sp>
+        <p:nvSpPr>
+          <p:cNvPr id="3" name="Inhaltsplatzhalter 2">
+            <a:extLst>
+              <a:ext uri="{FF2B5EF4-FFF2-40B4-BE49-F238E27FC236}">
+                <a16:creationId xmlns:a16="http://schemas.microsoft.com/office/drawing/2014/main" id="{4607A4CC-5592-4C23-8A1F-1C2EC5450B98}"/>
+              </a:ext>
+            </a:extLst>
+          </p:cNvPr>
+          <p:cNvSpPr>
+            <a:spLocks noGrp="1"/>
+          </p:cNvSpPr>
+          <p:nvPr>
+            <p:ph idx="1"/>
+          </p:nvPr>
+        </p:nvSpPr>
+        <p:spPr/>
+        <p:txBody>
+          <a:bodyPr/>
+          <a:lstStyle/>
+          <a:p>
+            <a:endParaRPr lang="de-DE"/>
+          </a:p>
+        </p:txBody>
+      </p:sp>
+    </p:spTree>
+    <p:extLst>
+      <p:ext uri="{BB962C8B-B14F-4D97-AF65-F5344CB8AC3E}">
+        <p14:creationId xmlns:p14="http://schemas.microsoft.com/office/powerpoint/2010/main" val="1904248800"/>
       </p:ext>
     </p:extLst>
   </p:cSld>
